--- a/day1_20_9_25/day1_20_9_25.pptx
+++ b/day1_20_9_25/day1_20_9_25.pptx
@@ -3689,7 +3689,7 @@
         </p:nvSpPr>
         <p:spPr>
           <a:xfrm>
-            <a:off x="7154333" y="1934633"/>
+            <a:off x="7027333" y="1934633"/>
             <a:ext cx="1312333" cy="1024467"/>
           </a:xfrm>
           <a:prstGeom prst="rect">
@@ -3925,7 +3925,7 @@
         <p:spPr>
           <a:xfrm>
             <a:off x="558800" y="279400"/>
-            <a:ext cx="10778067" cy="4031873"/>
+            <a:ext cx="10778067" cy="6001643"/>
           </a:xfrm>
           <a:prstGeom prst="rect">
             <a:avLst/>
@@ -3955,9 +3955,6 @@
             <a:endParaRPr lang="en-IN" sz="3200" dirty="0"/>
           </a:p>
           <a:p>
-            <a:endParaRPr lang="en-IN" sz="3200" dirty="0"/>
-          </a:p>
-          <a:p>
             <a:r>
               <a:rPr lang="en-IN" sz="3200" dirty="0"/>
               <a:t>Ex2: Do the same for Netflix</a:t>
@@ -3971,6 +3968,27 @@
               <a:rPr lang="en-IN" sz="3200" dirty="0"/>
               <a:t>Ex3: Create conceptual ERD for MakeMyTrip</a:t>
             </a:r>
+          </a:p>
+          <a:p>
+            <a:endParaRPr lang="en-IN" sz="3200" dirty="0"/>
+          </a:p>
+          <a:p>
+            <a:r>
+              <a:rPr lang="en-IN" sz="3200" dirty="0"/>
+              <a:t>Ex4: Create logical ERD for MakeMyTrip</a:t>
+            </a:r>
+          </a:p>
+          <a:p>
+            <a:endParaRPr lang="en-IN" sz="3200" dirty="0"/>
+          </a:p>
+          <a:p>
+            <a:r>
+              <a:rPr lang="en-IN" sz="3200" dirty="0"/>
+              <a:t>Ex5:  Create physical  ERD for MakeMyTrip</a:t>
+            </a:r>
+          </a:p>
+          <a:p>
+            <a:endParaRPr lang="en-IN" sz="3200" dirty="0"/>
           </a:p>
         </p:txBody>
       </p:sp>
@@ -4019,7 +4037,7 @@
         <p:spPr>
           <a:xfrm>
             <a:off x="905933" y="465667"/>
-            <a:ext cx="10430934" cy="1477328"/>
+            <a:ext cx="10430934" cy="3970318"/>
           </a:xfrm>
           <a:prstGeom prst="rect">
             <a:avLst/>
@@ -4054,9 +4072,47 @@
           </a:p>
           <a:p>
             <a:r>
-              <a:rPr lang="en-IN" dirty="0"/>
+              <a:rPr lang="en-IN" dirty="0">
+                <a:hlinkClick r:id="rId3"/>
+              </a:rPr>
               <a:t>https://medium.com/@marcifey/using-crows-foot-notation-in-an-erd-2910fff5dd05</a:t>
             </a:r>
+            <a:endParaRPr lang="en-IN" dirty="0"/>
+          </a:p>
+          <a:p>
+            <a:endParaRPr lang="en-IN" dirty="0"/>
+          </a:p>
+          <a:p>
+            <a:r>
+              <a:rPr lang="en-IN" dirty="0">
+                <a:hlinkClick r:id="rId4"/>
+              </a:rPr>
+              <a:t>https://sutejakanuri.medium.com/the-three-pillars-of-data-modeling-conceptual-logical-and-physical-models-d93652339855</a:t>
+            </a:r>
+            <a:endParaRPr lang="en-IN" dirty="0"/>
+          </a:p>
+          <a:p>
+            <a:endParaRPr lang="en-IN" dirty="0"/>
+          </a:p>
+          <a:p>
+            <a:r>
+              <a:rPr lang="en-IN"/>
+              <a:t>https://medium.com/@factor-bytes/explained-conceptual-logical-and-physical-data-models-0786b0e90216</a:t>
+            </a:r>
+            <a:endParaRPr lang="en-IN" dirty="0"/>
+          </a:p>
+          <a:p>
+            <a:endParaRPr lang="en-IN" dirty="0"/>
+          </a:p>
+          <a:p>
+            <a:endParaRPr lang="en-IN" dirty="0"/>
+          </a:p>
+          <a:p>
+            <a:r>
+              <a:rPr lang="en-IN" sz="3600" dirty="0"/>
+              <a:t>https://github.com/jayanta1971/capgeminisept25.git</a:t>
+            </a:r>
+            <a:endParaRPr lang="en-IN" dirty="0"/>
           </a:p>
         </p:txBody>
       </p:sp>

--- a/day1_20_9_25/day1_20_9_25.pptx
+++ b/day1_20_9_25/day1_20_9_25.pptx
@@ -8,7 +8,10 @@
     <p:sldId id="256" r:id="rId2"/>
     <p:sldId id="257" r:id="rId3"/>
     <p:sldId id="259" r:id="rId4"/>
-    <p:sldId id="258" r:id="rId5"/>
+    <p:sldId id="260" r:id="rId5"/>
+    <p:sldId id="261" r:id="rId6"/>
+    <p:sldId id="262" r:id="rId7"/>
+    <p:sldId id="258" r:id="rId8"/>
   </p:sldIdLst>
   <p:sldSz cx="12192000" cy="6858000"/>
   <p:notesSz cx="6858000" cy="9144000"/>
@@ -4027,6 +4030,437 @@
           <p:cNvPr id="2" name="TextBox 1">
             <a:extLst>
               <a:ext uri="{FF2B5EF4-FFF2-40B4-BE49-F238E27FC236}">
+                <a16:creationId xmlns:a16="http://schemas.microsoft.com/office/drawing/2014/main" id="{1B8A0EB1-E958-F631-620E-6639276AAE0A}"/>
+              </a:ext>
+            </a:extLst>
+          </p:cNvPr>
+          <p:cNvSpPr txBox="1"/>
+          <p:nvPr/>
+        </p:nvSpPr>
+        <p:spPr>
+          <a:xfrm>
+            <a:off x="1109133" y="211667"/>
+            <a:ext cx="9431867" cy="6186309"/>
+          </a:xfrm>
+          <a:prstGeom prst="rect">
+            <a:avLst/>
+          </a:prstGeom>
+          <a:noFill/>
+        </p:spPr>
+        <p:txBody>
+          <a:bodyPr wrap="square" rtlCol="0">
+            <a:spAutoFit/>
+          </a:bodyPr>
+          <a:lstStyle/>
+          <a:p>
+            <a:r>
+              <a:rPr lang="en-US" sz="3600" dirty="0"/>
+              <a:t>create table </a:t>
+            </a:r>
+            <a:r>
+              <a:rPr lang="en-US" sz="3600" dirty="0" err="1"/>
+              <a:t>product_category</a:t>
+            </a:r>
+            <a:r>
+              <a:rPr lang="en-US" sz="3600" dirty="0"/>
+              <a:t>(id serial primary </a:t>
+            </a:r>
+            <a:r>
+              <a:rPr lang="en-US" sz="3600" dirty="0" err="1"/>
+              <a:t>key,prod_cat</a:t>
+            </a:r>
+            <a:r>
+              <a:rPr lang="en-US" sz="3600" dirty="0"/>
+              <a:t> varchar(20),</a:t>
+            </a:r>
+            <a:r>
+              <a:rPr lang="en-US" sz="3600" dirty="0" err="1"/>
+              <a:t>prod_cat_desc</a:t>
+            </a:r>
+            <a:r>
+              <a:rPr lang="en-US" sz="3600" dirty="0"/>
+              <a:t> varchar(100))</a:t>
+            </a:r>
+          </a:p>
+          <a:p>
+            <a:endParaRPr lang="en-US" sz="3600" dirty="0"/>
+          </a:p>
+          <a:p>
+            <a:endParaRPr lang="en-US" sz="3600" dirty="0"/>
+          </a:p>
+          <a:p>
+            <a:r>
+              <a:rPr lang="en-US" sz="3600" dirty="0"/>
+              <a:t>create table product(id serial primary </a:t>
+            </a:r>
+            <a:r>
+              <a:rPr lang="en-US" sz="3600" dirty="0" err="1"/>
+              <a:t>key,prod_desc</a:t>
+            </a:r>
+            <a:r>
+              <a:rPr lang="en-US" sz="3600" dirty="0"/>
+              <a:t> varchar(100),price numeric(13,2),</a:t>
+            </a:r>
+            <a:r>
+              <a:rPr lang="en-US" sz="3600" dirty="0" err="1"/>
+              <a:t>product_category_id</a:t>
+            </a:r>
+            <a:r>
+              <a:rPr lang="en-US" sz="3600" dirty="0"/>
+              <a:t> int references </a:t>
+            </a:r>
+            <a:r>
+              <a:rPr lang="en-US" sz="3600" dirty="0" err="1"/>
+              <a:t>product_category</a:t>
+            </a:r>
+            <a:r>
+              <a:rPr lang="en-US" sz="3600" dirty="0"/>
+              <a:t>(id))</a:t>
+            </a:r>
+          </a:p>
+          <a:p>
+            <a:endParaRPr lang="en-US" sz="3600" dirty="0"/>
+          </a:p>
+          <a:p>
+            <a:endParaRPr lang="en-IN" sz="3600" dirty="0"/>
+          </a:p>
+        </p:txBody>
+      </p:sp>
+    </p:spTree>
+    <p:extLst>
+      <p:ext uri="{BB962C8B-B14F-4D97-AF65-F5344CB8AC3E}">
+        <p14:creationId xmlns:p14="http://schemas.microsoft.com/office/powerpoint/2010/main" val="2197487557"/>
+      </p:ext>
+    </p:extLst>
+  </p:cSld>
+  <p:clrMapOvr>
+    <a:masterClrMapping/>
+  </p:clrMapOvr>
+</p:sld>
+</file>
+
+<file path=ppt/slides/slide5.xml><?xml version="1.0" encoding="utf-8"?>
+<p:sld xmlns:a="http://schemas.openxmlformats.org/drawingml/2006/main" xmlns:r="http://schemas.openxmlformats.org/officeDocument/2006/relationships" xmlns:p="http://schemas.openxmlformats.org/presentationml/2006/main">
+  <p:cSld>
+    <p:spTree>
+      <p:nvGrpSpPr>
+        <p:cNvPr id="1" name="">
+          <a:extLst>
+            <a:ext uri="{FF2B5EF4-FFF2-40B4-BE49-F238E27FC236}">
+              <a16:creationId xmlns:a16="http://schemas.microsoft.com/office/drawing/2014/main" id="{2C2F3FFB-3FA6-E831-E795-BD7A9032F93B}"/>
+            </a:ext>
+          </a:extLst>
+        </p:cNvPr>
+        <p:cNvGrpSpPr/>
+        <p:nvPr/>
+      </p:nvGrpSpPr>
+      <p:grpSpPr>
+        <a:xfrm>
+          <a:off x="0" y="0"/>
+          <a:ext cx="0" cy="0"/>
+          <a:chOff x="0" y="0"/>
+          <a:chExt cx="0" cy="0"/>
+        </a:xfrm>
+      </p:grpSpPr>
+      <p:sp>
+        <p:nvSpPr>
+          <p:cNvPr id="2" name="TextBox 1">
+            <a:extLst>
+              <a:ext uri="{FF2B5EF4-FFF2-40B4-BE49-F238E27FC236}">
+                <a16:creationId xmlns:a16="http://schemas.microsoft.com/office/drawing/2014/main" id="{1C620261-413D-0460-CCA0-D12C9A2F6009}"/>
+              </a:ext>
+            </a:extLst>
+          </p:cNvPr>
+          <p:cNvSpPr txBox="1"/>
+          <p:nvPr/>
+        </p:nvSpPr>
+        <p:spPr>
+          <a:xfrm>
+            <a:off x="1109133" y="211667"/>
+            <a:ext cx="9431867" cy="5078313"/>
+          </a:xfrm>
+          <a:prstGeom prst="rect">
+            <a:avLst/>
+          </a:prstGeom>
+          <a:noFill/>
+        </p:spPr>
+        <p:txBody>
+          <a:bodyPr wrap="square" rtlCol="0">
+            <a:spAutoFit/>
+          </a:bodyPr>
+          <a:lstStyle/>
+          <a:p>
+            <a:r>
+              <a:rPr lang="en-US" sz="3600" dirty="0"/>
+              <a:t>create table </a:t>
+            </a:r>
+            <a:r>
+              <a:rPr lang="en-US" sz="3600" dirty="0" err="1"/>
+              <a:t>order_details</a:t>
+            </a:r>
+            <a:r>
+              <a:rPr lang="en-US" sz="3600" dirty="0"/>
+              <a:t>(id serial primary </a:t>
+            </a:r>
+            <a:r>
+              <a:rPr lang="en-US" sz="3600" dirty="0" err="1"/>
+              <a:t>key,order_id</a:t>
+            </a:r>
+            <a:r>
+              <a:rPr lang="en-US" sz="3600" dirty="0"/>
+              <a:t> varchar(50),</a:t>
+            </a:r>
+            <a:r>
+              <a:rPr lang="en-US" sz="3600" dirty="0" err="1"/>
+              <a:t>total_price</a:t>
+            </a:r>
+            <a:r>
+              <a:rPr lang="en-US" sz="3600" dirty="0"/>
+              <a:t> numeric(13,2) )</a:t>
+            </a:r>
+          </a:p>
+          <a:p>
+            <a:endParaRPr lang="en-US" sz="3600" dirty="0"/>
+          </a:p>
+          <a:p>
+            <a:endParaRPr lang="en-US" sz="3600" dirty="0"/>
+          </a:p>
+          <a:p>
+            <a:r>
+              <a:rPr lang="en-US" sz="3600" dirty="0"/>
+              <a:t>create table payment(id serial primary </a:t>
+            </a:r>
+            <a:r>
+              <a:rPr lang="en-US" sz="3600" dirty="0" err="1"/>
+              <a:t>key,payment_status</a:t>
+            </a:r>
+            <a:r>
+              <a:rPr lang="en-US" sz="3600" dirty="0"/>
+              <a:t> </a:t>
+            </a:r>
+            <a:r>
+              <a:rPr lang="en-US" sz="3600" dirty="0" err="1"/>
+              <a:t>boolean,order_id</a:t>
+            </a:r>
+            <a:r>
+              <a:rPr lang="en-US" sz="3600" dirty="0"/>
+              <a:t> </a:t>
+            </a:r>
+            <a:r>
+              <a:rPr lang="en-US" sz="3600" dirty="0" err="1"/>
+              <a:t>int,constraint</a:t>
+            </a:r>
+            <a:r>
+              <a:rPr lang="en-US" sz="3600" dirty="0"/>
+              <a:t> </a:t>
+            </a:r>
+            <a:r>
+              <a:rPr lang="en-US" sz="3600" dirty="0" err="1"/>
+              <a:t>fk_payment_order</a:t>
+            </a:r>
+            <a:r>
+              <a:rPr lang="en-US" sz="3600" dirty="0"/>
+              <a:t> foreign key(</a:t>
+            </a:r>
+            <a:r>
+              <a:rPr lang="en-US" sz="3600" dirty="0" err="1"/>
+              <a:t>order_id</a:t>
+            </a:r>
+            <a:r>
+              <a:rPr lang="en-US" sz="3600" dirty="0"/>
+              <a:t>) references </a:t>
+            </a:r>
+            <a:r>
+              <a:rPr lang="en-US" sz="3600" dirty="0" err="1"/>
+              <a:t>order_details</a:t>
+            </a:r>
+            <a:r>
+              <a:rPr lang="en-US" sz="3600" dirty="0"/>
+              <a:t>(id) )</a:t>
+            </a:r>
+            <a:endParaRPr lang="en-IN" sz="3600" dirty="0"/>
+          </a:p>
+        </p:txBody>
+      </p:sp>
+    </p:spTree>
+    <p:extLst>
+      <p:ext uri="{BB962C8B-B14F-4D97-AF65-F5344CB8AC3E}">
+        <p14:creationId xmlns:p14="http://schemas.microsoft.com/office/powerpoint/2010/main" val="2290781145"/>
+      </p:ext>
+    </p:extLst>
+  </p:cSld>
+  <p:clrMapOvr>
+    <a:masterClrMapping/>
+  </p:clrMapOvr>
+</p:sld>
+</file>
+
+<file path=ppt/slides/slide6.xml><?xml version="1.0" encoding="utf-8"?>
+<p:sld xmlns:a="http://schemas.openxmlformats.org/drawingml/2006/main" xmlns:r="http://schemas.openxmlformats.org/officeDocument/2006/relationships" xmlns:p="http://schemas.openxmlformats.org/presentationml/2006/main">
+  <p:cSld>
+    <p:spTree>
+      <p:nvGrpSpPr>
+        <p:cNvPr id="1" name="">
+          <a:extLst>
+            <a:ext uri="{FF2B5EF4-FFF2-40B4-BE49-F238E27FC236}">
+              <a16:creationId xmlns:a16="http://schemas.microsoft.com/office/drawing/2014/main" id="{4D5263C1-236D-387A-80BE-13C2B33B2C4A}"/>
+            </a:ext>
+          </a:extLst>
+        </p:cNvPr>
+        <p:cNvGrpSpPr/>
+        <p:nvPr/>
+      </p:nvGrpSpPr>
+      <p:grpSpPr>
+        <a:xfrm>
+          <a:off x="0" y="0"/>
+          <a:ext cx="0" cy="0"/>
+          <a:chOff x="0" y="0"/>
+          <a:chExt cx="0" cy="0"/>
+        </a:xfrm>
+      </p:grpSpPr>
+      <p:sp>
+        <p:nvSpPr>
+          <p:cNvPr id="2" name="TextBox 1">
+            <a:extLst>
+              <a:ext uri="{FF2B5EF4-FFF2-40B4-BE49-F238E27FC236}">
+                <a16:creationId xmlns:a16="http://schemas.microsoft.com/office/drawing/2014/main" id="{CED36976-8A69-B06D-26F0-D6E701943741}"/>
+              </a:ext>
+            </a:extLst>
+          </p:cNvPr>
+          <p:cNvSpPr txBox="1"/>
+          <p:nvPr/>
+        </p:nvSpPr>
+        <p:spPr>
+          <a:xfrm>
+            <a:off x="1109133" y="211667"/>
+            <a:ext cx="9431867" cy="3416320"/>
+          </a:xfrm>
+          <a:prstGeom prst="rect">
+            <a:avLst/>
+          </a:prstGeom>
+          <a:noFill/>
+        </p:spPr>
+        <p:txBody>
+          <a:bodyPr wrap="square" rtlCol="0">
+            <a:spAutoFit/>
+          </a:bodyPr>
+          <a:lstStyle/>
+          <a:p>
+            <a:r>
+              <a:rPr lang="en-US" sz="3600" dirty="0"/>
+              <a:t>create table </a:t>
+            </a:r>
+            <a:r>
+              <a:rPr lang="en-US" sz="3600" dirty="0" err="1"/>
+              <a:t>product_order</a:t>
+            </a:r>
+            <a:r>
+              <a:rPr lang="en-US" sz="3600" dirty="0"/>
+              <a:t>(id serial primary </a:t>
+            </a:r>
+            <a:r>
+              <a:rPr lang="en-US" sz="3600" dirty="0" err="1"/>
+              <a:t>key,order_details_id</a:t>
+            </a:r>
+            <a:r>
+              <a:rPr lang="en-US" sz="3600" dirty="0"/>
+              <a:t> </a:t>
+            </a:r>
+            <a:r>
+              <a:rPr lang="en-US" sz="3600" dirty="0" err="1"/>
+              <a:t>int,product_id</a:t>
+            </a:r>
+            <a:r>
+              <a:rPr lang="en-US" sz="3600" dirty="0"/>
+              <a:t> </a:t>
+            </a:r>
+            <a:r>
+              <a:rPr lang="en-US" sz="3600" dirty="0" err="1"/>
+              <a:t>int,constraint</a:t>
+            </a:r>
+            <a:r>
+              <a:rPr lang="en-US" sz="3600" dirty="0"/>
+              <a:t> </a:t>
+            </a:r>
+            <a:r>
+              <a:rPr lang="en-US" sz="3600" dirty="0" err="1"/>
+              <a:t>fk_order_details</a:t>
+            </a:r>
+            <a:r>
+              <a:rPr lang="en-US" sz="3600" dirty="0"/>
+              <a:t> foreign key(</a:t>
+            </a:r>
+            <a:r>
+              <a:rPr lang="en-US" sz="3600" dirty="0" err="1"/>
+              <a:t>order_details_id</a:t>
+            </a:r>
+            <a:r>
+              <a:rPr lang="en-US" sz="3600" dirty="0"/>
+              <a:t>) references </a:t>
+            </a:r>
+            <a:r>
+              <a:rPr lang="en-US" sz="3600" dirty="0" err="1"/>
+              <a:t>order_details</a:t>
+            </a:r>
+            <a:r>
+              <a:rPr lang="en-US" sz="3600" dirty="0"/>
+              <a:t>(id),constraint </a:t>
+            </a:r>
+            <a:r>
+              <a:rPr lang="en-US" sz="3600" dirty="0" err="1"/>
+              <a:t>fk_product</a:t>
+            </a:r>
+            <a:r>
+              <a:rPr lang="en-US" sz="3600" dirty="0"/>
+              <a:t> foreign key(</a:t>
+            </a:r>
+            <a:r>
+              <a:rPr lang="en-US" sz="3600" dirty="0" err="1"/>
+              <a:t>product_id</a:t>
+            </a:r>
+            <a:r>
+              <a:rPr lang="en-US" sz="3600"/>
+              <a:t>) references product(id)	 )</a:t>
+            </a:r>
+            <a:endParaRPr lang="en-IN" sz="3600" dirty="0"/>
+          </a:p>
+        </p:txBody>
+      </p:sp>
+    </p:spTree>
+    <p:extLst>
+      <p:ext uri="{BB962C8B-B14F-4D97-AF65-F5344CB8AC3E}">
+        <p14:creationId xmlns:p14="http://schemas.microsoft.com/office/powerpoint/2010/main" val="1126061570"/>
+      </p:ext>
+    </p:extLst>
+  </p:cSld>
+  <p:clrMapOvr>
+    <a:masterClrMapping/>
+  </p:clrMapOvr>
+</p:sld>
+</file>
+
+<file path=ppt/slides/slide7.xml><?xml version="1.0" encoding="utf-8"?>
+<p:sld xmlns:a="http://schemas.openxmlformats.org/drawingml/2006/main" xmlns:r="http://schemas.openxmlformats.org/officeDocument/2006/relationships" xmlns:p="http://schemas.openxmlformats.org/presentationml/2006/main">
+  <p:cSld>
+    <p:spTree>
+      <p:nvGrpSpPr>
+        <p:cNvPr id="1" name=""/>
+        <p:cNvGrpSpPr/>
+        <p:nvPr/>
+      </p:nvGrpSpPr>
+      <p:grpSpPr>
+        <a:xfrm>
+          <a:off x="0" y="0"/>
+          <a:ext cx="0" cy="0"/>
+          <a:chOff x="0" y="0"/>
+          <a:chExt cx="0" cy="0"/>
+        </a:xfrm>
+      </p:grpSpPr>
+      <p:sp>
+        <p:nvSpPr>
+          <p:cNvPr id="2" name="TextBox 1">
+            <a:extLst>
+              <a:ext uri="{FF2B5EF4-FFF2-40B4-BE49-F238E27FC236}">
                 <a16:creationId xmlns:a16="http://schemas.microsoft.com/office/drawing/2014/main" id="{E3920A31-F669-8B26-E37C-3A5593209DE6}"/>
               </a:ext>
             </a:extLst>
@@ -4096,10 +4530,9 @@
           </a:p>
           <a:p>
             <a:r>
-              <a:rPr lang="en-IN"/>
+              <a:rPr lang="en-IN" dirty="0"/>
               <a:t>https://medium.com/@factor-bytes/explained-conceptual-logical-and-physical-data-models-0786b0e90216</a:t>
             </a:r>
-            <a:endParaRPr lang="en-IN" dirty="0"/>
           </a:p>
           <a:p>
             <a:endParaRPr lang="en-IN" dirty="0"/>

--- a/day1_20_9_25/day1_20_9_25.pptx
+++ b/day1_20_9_25/day1_20_9_25.pptx
@@ -3928,7 +3928,7 @@
         <p:spPr>
           <a:xfrm>
             <a:off x="558800" y="279400"/>
-            <a:ext cx="10778067" cy="6001643"/>
+            <a:ext cx="10778067" cy="6986528"/>
           </a:xfrm>
           <a:prstGeom prst="rect">
             <a:avLst/>
@@ -3989,6 +3989,36 @@
               <a:rPr lang="en-IN" sz="3200" dirty="0"/>
               <a:t>Ex5:  Create physical  ERD for MakeMyTrip</a:t>
             </a:r>
+          </a:p>
+          <a:p>
+            <a:endParaRPr lang="en-IN" sz="3200" dirty="0"/>
+          </a:p>
+          <a:p>
+            <a:r>
+              <a:rPr lang="en-IN" sz="3200" dirty="0"/>
+              <a:t>Ex6 : Create </a:t>
+            </a:r>
+            <a:r>
+              <a:rPr lang="en-IN" sz="3200" dirty="0" err="1"/>
+              <a:t>makemytrip</a:t>
+            </a:r>
+            <a:r>
+              <a:rPr lang="en-IN" sz="3200" dirty="0"/>
+              <a:t> </a:t>
+            </a:r>
+            <a:r>
+              <a:rPr lang="en-IN" sz="3200" dirty="0" err="1"/>
+              <a:t>db</a:t>
+            </a:r>
+            <a:r>
+              <a:rPr lang="en-IN" sz="3200" dirty="0"/>
+              <a:t> and tables from </a:t>
+            </a:r>
+            <a:r>
+              <a:rPr lang="en-IN" sz="3200"/>
+              <a:t>the physical ERD</a:t>
+            </a:r>
+            <a:endParaRPr lang="en-IN" sz="3200" dirty="0"/>
           </a:p>
           <a:p>
             <a:endParaRPr lang="en-IN" sz="3200" dirty="0"/>
@@ -4419,7 +4449,7 @@
               <a:t>product_id</a:t>
             </a:r>
             <a:r>
-              <a:rPr lang="en-US" sz="3600"/>
+              <a:rPr lang="en-US" sz="3600" dirty="0"/>
               <a:t>) references product(id)	 )</a:t>
             </a:r>
             <a:endParaRPr lang="en-IN" sz="3600" dirty="0"/>

--- a/day1_20_9_25/day1_20_9_25.pptx
+++ b/day1_20_9_25/day1_20_9_25.pptx
@@ -3960,8 +3960,13 @@
           <a:p>
             <a:r>
               <a:rPr lang="en-IN" sz="3200" dirty="0"/>
-              <a:t>Ex2: Do the same for Netflix</a:t>
-            </a:r>
+              <a:t>Ex2: Do the same </a:t>
+            </a:r>
+            <a:r>
+              <a:rPr lang="en-IN" sz="3200"/>
+              <a:t>for Netflix  </a:t>
+            </a:r>
+            <a:endParaRPr lang="en-IN" sz="3200" dirty="0"/>
           </a:p>
           <a:p>
             <a:endParaRPr lang="en-IN" sz="3200" dirty="0"/>
@@ -4012,13 +4017,8 @@
             </a:r>
             <a:r>
               <a:rPr lang="en-IN" sz="3200" dirty="0"/>
-              <a:t> and tables from </a:t>
-            </a:r>
-            <a:r>
-              <a:rPr lang="en-IN" sz="3200"/>
-              <a:t>the physical ERD</a:t>
-            </a:r>
-            <a:endParaRPr lang="en-IN" sz="3200" dirty="0"/>
+              <a:t> and tables from the physical ERD</a:t>
+            </a:r>
           </a:p>
           <a:p>
             <a:endParaRPr lang="en-IN" sz="3200" dirty="0"/>

--- a/day1_20_9_25/day1_20_9_25.pptx
+++ b/day1_20_9_25/day1_20_9_25.pptx
@@ -8,10 +8,11 @@
     <p:sldId id="256" r:id="rId2"/>
     <p:sldId id="257" r:id="rId3"/>
     <p:sldId id="259" r:id="rId4"/>
-    <p:sldId id="260" r:id="rId5"/>
-    <p:sldId id="261" r:id="rId6"/>
-    <p:sldId id="262" r:id="rId7"/>
-    <p:sldId id="258" r:id="rId8"/>
+    <p:sldId id="263" r:id="rId5"/>
+    <p:sldId id="260" r:id="rId6"/>
+    <p:sldId id="261" r:id="rId7"/>
+    <p:sldId id="262" r:id="rId8"/>
+    <p:sldId id="258" r:id="rId9"/>
   </p:sldIdLst>
   <p:sldSz cx="12192000" cy="6858000"/>
   <p:notesSz cx="6858000" cy="9144000"/>
@@ -4043,6 +4044,80 @@
   <p:cSld>
     <p:spTree>
       <p:nvGrpSpPr>
+        <p:cNvPr id="1" name="">
+          <a:extLst>
+            <a:ext uri="{FF2B5EF4-FFF2-40B4-BE49-F238E27FC236}">
+              <a16:creationId xmlns:a16="http://schemas.microsoft.com/office/drawing/2014/main" id="{9AA7C123-B014-6F18-CD53-1D7E65FD6C51}"/>
+            </a:ext>
+          </a:extLst>
+        </p:cNvPr>
+        <p:cNvGrpSpPr/>
+        <p:nvPr/>
+      </p:nvGrpSpPr>
+      <p:grpSpPr>
+        <a:xfrm>
+          <a:off x="0" y="0"/>
+          <a:ext cx="0" cy="0"/>
+          <a:chOff x="0" y="0"/>
+          <a:chExt cx="0" cy="0"/>
+        </a:xfrm>
+      </p:grpSpPr>
+      <p:sp>
+        <p:nvSpPr>
+          <p:cNvPr id="2" name="TextBox 1">
+            <a:extLst>
+              <a:ext uri="{FF2B5EF4-FFF2-40B4-BE49-F238E27FC236}">
+                <a16:creationId xmlns:a16="http://schemas.microsoft.com/office/drawing/2014/main" id="{272FE213-597E-4DB1-C0F0-14E2CC4ECC89}"/>
+              </a:ext>
+            </a:extLst>
+          </p:cNvPr>
+          <p:cNvSpPr txBox="1"/>
+          <p:nvPr/>
+        </p:nvSpPr>
+        <p:spPr>
+          <a:xfrm>
+            <a:off x="558800" y="279400"/>
+            <a:ext cx="10778067" cy="1077218"/>
+          </a:xfrm>
+          <a:prstGeom prst="rect">
+            <a:avLst/>
+          </a:prstGeom>
+          <a:noFill/>
+        </p:spPr>
+        <p:txBody>
+          <a:bodyPr wrap="square" rtlCol="0">
+            <a:spAutoFit/>
+          </a:bodyPr>
+          <a:lstStyle/>
+          <a:p>
+            <a:r>
+              <a:rPr lang="en-IN" sz="3200" dirty="0"/>
+              <a:t>Ex7:  Change size of any column using alter table</a:t>
+            </a:r>
+          </a:p>
+          <a:p>
+            <a:endParaRPr lang="en-IN" sz="3200" dirty="0"/>
+          </a:p>
+        </p:txBody>
+      </p:sp>
+    </p:spTree>
+    <p:extLst>
+      <p:ext uri="{BB962C8B-B14F-4D97-AF65-F5344CB8AC3E}">
+        <p14:creationId xmlns:p14="http://schemas.microsoft.com/office/powerpoint/2010/main" val="1264654213"/>
+      </p:ext>
+    </p:extLst>
+  </p:cSld>
+  <p:clrMapOvr>
+    <a:masterClrMapping/>
+  </p:clrMapOvr>
+</p:sld>
+</file>
+
+<file path=ppt/slides/slide5.xml><?xml version="1.0" encoding="utf-8"?>
+<p:sld xmlns:a="http://schemas.openxmlformats.org/drawingml/2006/main" xmlns:r="http://schemas.openxmlformats.org/officeDocument/2006/relationships" xmlns:p="http://schemas.openxmlformats.org/presentationml/2006/main">
+  <p:cSld>
+    <p:spTree>
+      <p:nvGrpSpPr>
         <p:cNvPr id="1" name=""/>
         <p:cNvGrpSpPr/>
         <p:nvPr/>
@@ -4169,7 +4244,7 @@
 </p:sld>
 </file>
 
-<file path=ppt/slides/slide5.xml><?xml version="1.0" encoding="utf-8"?>
+<file path=ppt/slides/slide6.xml><?xml version="1.0" encoding="utf-8"?>
 <p:sld xmlns:a="http://schemas.openxmlformats.org/drawingml/2006/main" xmlns:r="http://schemas.openxmlformats.org/officeDocument/2006/relationships" xmlns:p="http://schemas.openxmlformats.org/presentationml/2006/main">
   <p:cSld>
     <p:spTree>
@@ -4207,7 +4282,7 @@
         <p:spPr>
           <a:xfrm>
             <a:off x="1109133" y="211667"/>
-            <a:ext cx="9431867" cy="5078313"/>
+            <a:ext cx="9431867" cy="6186309"/>
           </a:xfrm>
           <a:prstGeom prst="rect">
             <a:avLst/>
@@ -4253,12 +4328,13 @@
             <a:endParaRPr lang="en-US" sz="3600" dirty="0"/>
           </a:p>
           <a:p>
-            <a:endParaRPr lang="en-US" sz="3600" dirty="0"/>
-          </a:p>
-          <a:p>
+            <a:r>
+              <a:rPr lang="en-US" sz="3600"/>
+              <a:t>create </a:t>
+            </a:r>
             <a:r>
               <a:rPr lang="en-US" sz="3600" dirty="0"/>
-              <a:t>create table payment(id serial primary </a:t>
+              <a:t>table payment(id serial primary </a:t>
             </a:r>
             <a:r>
               <a:rPr lang="en-US" sz="3600" dirty="0" err="1"/>
@@ -4307,6 +4383,31 @@
             <a:r>
               <a:rPr lang="en-US" sz="3600" dirty="0"/>
               <a:t>(id) )</a:t>
+            </a:r>
+          </a:p>
+          <a:p>
+            <a:endParaRPr lang="en-US" sz="3600" dirty="0"/>
+          </a:p>
+          <a:p>
+            <a:r>
+              <a:rPr lang="en-US" sz="3600" dirty="0"/>
+              <a:t> alter table </a:t>
+            </a:r>
+            <a:r>
+              <a:rPr lang="en-US" sz="3600" dirty="0" err="1"/>
+              <a:t>product_category</a:t>
+            </a:r>
+            <a:r>
+              <a:rPr lang="en-US" sz="3600" dirty="0"/>
+              <a:t>  alter column </a:t>
+            </a:r>
+            <a:r>
+              <a:rPr lang="en-US" sz="3600" dirty="0" err="1"/>
+              <a:t>prod_cat_desc</a:t>
+            </a:r>
+            <a:r>
+              <a:rPr lang="en-US" sz="3600" dirty="0"/>
+              <a:t> type varchar(200) </a:t>
             </a:r>
             <a:endParaRPr lang="en-IN" sz="3600" dirty="0"/>
           </a:p>
@@ -4325,7 +4426,7 @@
 </p:sld>
 </file>
 
-<file path=ppt/slides/slide6.xml><?xml version="1.0" encoding="utf-8"?>
+<file path=ppt/slides/slide7.xml><?xml version="1.0" encoding="utf-8"?>
 <p:sld xmlns:a="http://schemas.openxmlformats.org/drawingml/2006/main" xmlns:r="http://schemas.openxmlformats.org/officeDocument/2006/relationships" xmlns:p="http://schemas.openxmlformats.org/presentationml/2006/main">
   <p:cSld>
     <p:spTree>
@@ -4469,7 +4570,7 @@
 </p:sld>
 </file>
 
-<file path=ppt/slides/slide7.xml><?xml version="1.0" encoding="utf-8"?>
+<file path=ppt/slides/slide8.xml><?xml version="1.0" encoding="utf-8"?>
 <p:sld xmlns:a="http://schemas.openxmlformats.org/drawingml/2006/main" xmlns:r="http://schemas.openxmlformats.org/officeDocument/2006/relationships" xmlns:p="http://schemas.openxmlformats.org/presentationml/2006/main">
   <p:cSld>
     <p:spTree>

--- a/day1_20_9_25/day1_20_9_25.pptx
+++ b/day1_20_9_25/day1_20_9_25.pptx
@@ -4329,12 +4329,8 @@
           </a:p>
           <a:p>
             <a:r>
-              <a:rPr lang="en-US" sz="3600"/>
-              <a:t>create </a:t>
-            </a:r>
-            <a:r>
               <a:rPr lang="en-US" sz="3600" dirty="0"/>
-              <a:t>table payment(id serial primary </a:t>
+              <a:t>create table payment(id serial primary </a:t>
             </a:r>
             <a:r>
               <a:rPr lang="en-US" sz="3600" dirty="0" err="1"/>

--- a/day1_20_9_25/day1_20_9_25.pptx
+++ b/day1_20_9_25/day1_20_9_25.pptx
@@ -9,10 +9,13 @@
     <p:sldId id="257" r:id="rId3"/>
     <p:sldId id="259" r:id="rId4"/>
     <p:sldId id="263" r:id="rId5"/>
-    <p:sldId id="260" r:id="rId6"/>
-    <p:sldId id="261" r:id="rId7"/>
-    <p:sldId id="262" r:id="rId8"/>
-    <p:sldId id="258" r:id="rId9"/>
+    <p:sldId id="264" r:id="rId6"/>
+    <p:sldId id="260" r:id="rId7"/>
+    <p:sldId id="261" r:id="rId8"/>
+    <p:sldId id="262" r:id="rId9"/>
+    <p:sldId id="265" r:id="rId10"/>
+    <p:sldId id="266" r:id="rId11"/>
+    <p:sldId id="258" r:id="rId12"/>
   </p:sldIdLst>
   <p:sldSz cx="12192000" cy="6858000"/>
   <p:notesSz cx="6858000" cy="9144000"/>
@@ -3613,6 +3616,214 @@
 </p:sld>
 </file>
 
+<file path=ppt/slides/slide10.xml><?xml version="1.0" encoding="utf-8"?>
+<p:sld xmlns:a="http://schemas.openxmlformats.org/drawingml/2006/main" xmlns:r="http://schemas.openxmlformats.org/officeDocument/2006/relationships" xmlns:p="http://schemas.openxmlformats.org/presentationml/2006/main">
+  <p:cSld>
+    <p:spTree>
+      <p:nvGrpSpPr>
+        <p:cNvPr id="1" name="">
+          <a:extLst>
+            <a:ext uri="{FF2B5EF4-FFF2-40B4-BE49-F238E27FC236}">
+              <a16:creationId xmlns:a16="http://schemas.microsoft.com/office/drawing/2014/main" id="{2142EC5C-EA56-A2AE-607D-5B36150135F6}"/>
+            </a:ext>
+          </a:extLst>
+        </p:cNvPr>
+        <p:cNvGrpSpPr/>
+        <p:nvPr/>
+      </p:nvGrpSpPr>
+      <p:grpSpPr>
+        <a:xfrm>
+          <a:off x="0" y="0"/>
+          <a:ext cx="0" cy="0"/>
+          <a:chOff x="0" y="0"/>
+          <a:chExt cx="0" cy="0"/>
+        </a:xfrm>
+      </p:grpSpPr>
+      <p:sp>
+        <p:nvSpPr>
+          <p:cNvPr id="2" name="TextBox 1">
+            <a:extLst>
+              <a:ext uri="{FF2B5EF4-FFF2-40B4-BE49-F238E27FC236}">
+                <a16:creationId xmlns:a16="http://schemas.microsoft.com/office/drawing/2014/main" id="{442DFFA0-4CAA-AF6B-BCE7-1BB945DEE86C}"/>
+              </a:ext>
+            </a:extLst>
+          </p:cNvPr>
+          <p:cNvSpPr txBox="1"/>
+          <p:nvPr/>
+        </p:nvSpPr>
+        <p:spPr>
+          <a:xfrm>
+            <a:off x="1109133" y="211667"/>
+            <a:ext cx="9431867" cy="2862322"/>
+          </a:xfrm>
+          <a:prstGeom prst="rect">
+            <a:avLst/>
+          </a:prstGeom>
+          <a:noFill/>
+        </p:spPr>
+        <p:txBody>
+          <a:bodyPr wrap="square" rtlCol="0">
+            <a:spAutoFit/>
+          </a:bodyPr>
+          <a:lstStyle/>
+          <a:p>
+            <a:r>
+              <a:rPr lang="en-US" sz="3600" dirty="0"/>
+              <a:t> insert into payment(</a:t>
+            </a:r>
+            <a:r>
+              <a:rPr lang="en-US" sz="3600" dirty="0" err="1"/>
+              <a:t>order_id,payment_status</a:t>
+            </a:r>
+            <a:r>
+              <a:rPr lang="en-US" sz="3600" dirty="0"/>
+              <a:t>)values(1, true )</a:t>
+            </a:r>
+          </a:p>
+          <a:p>
+            <a:endParaRPr lang="en-US" sz="3600" dirty="0"/>
+          </a:p>
+          <a:p>
+            <a:endParaRPr lang="en-IN" sz="3600" dirty="0"/>
+          </a:p>
+        </p:txBody>
+      </p:sp>
+    </p:spTree>
+    <p:extLst>
+      <p:ext uri="{BB962C8B-B14F-4D97-AF65-F5344CB8AC3E}">
+        <p14:creationId xmlns:p14="http://schemas.microsoft.com/office/powerpoint/2010/main" val="1870045368"/>
+      </p:ext>
+    </p:extLst>
+  </p:cSld>
+  <p:clrMapOvr>
+    <a:masterClrMapping/>
+  </p:clrMapOvr>
+</p:sld>
+</file>
+
+<file path=ppt/slides/slide11.xml><?xml version="1.0" encoding="utf-8"?>
+<p:sld xmlns:a="http://schemas.openxmlformats.org/drawingml/2006/main" xmlns:r="http://schemas.openxmlformats.org/officeDocument/2006/relationships" xmlns:p="http://schemas.openxmlformats.org/presentationml/2006/main">
+  <p:cSld>
+    <p:spTree>
+      <p:nvGrpSpPr>
+        <p:cNvPr id="1" name=""/>
+        <p:cNvGrpSpPr/>
+        <p:nvPr/>
+      </p:nvGrpSpPr>
+      <p:grpSpPr>
+        <a:xfrm>
+          <a:off x="0" y="0"/>
+          <a:ext cx="0" cy="0"/>
+          <a:chOff x="0" y="0"/>
+          <a:chExt cx="0" cy="0"/>
+        </a:xfrm>
+      </p:grpSpPr>
+      <p:sp>
+        <p:nvSpPr>
+          <p:cNvPr id="2" name="TextBox 1">
+            <a:extLst>
+              <a:ext uri="{FF2B5EF4-FFF2-40B4-BE49-F238E27FC236}">
+                <a16:creationId xmlns:a16="http://schemas.microsoft.com/office/drawing/2014/main" id="{E3920A31-F669-8B26-E37C-3A5593209DE6}"/>
+              </a:ext>
+            </a:extLst>
+          </p:cNvPr>
+          <p:cNvSpPr txBox="1"/>
+          <p:nvPr/>
+        </p:nvSpPr>
+        <p:spPr>
+          <a:xfrm>
+            <a:off x="905933" y="465667"/>
+            <a:ext cx="10430934" cy="3970318"/>
+          </a:xfrm>
+          <a:prstGeom prst="rect">
+            <a:avLst/>
+          </a:prstGeom>
+          <a:noFill/>
+        </p:spPr>
+        <p:txBody>
+          <a:bodyPr wrap="square" rtlCol="0">
+            <a:spAutoFit/>
+          </a:bodyPr>
+          <a:lstStyle/>
+          <a:p>
+            <a:r>
+              <a:rPr lang="en-IN" dirty="0"/>
+              <a:t>Links:</a:t>
+            </a:r>
+          </a:p>
+          <a:p>
+            <a:endParaRPr lang="en-IN" dirty="0"/>
+          </a:p>
+          <a:p>
+            <a:r>
+              <a:rPr lang="en-IN" dirty="0">
+                <a:hlinkClick r:id="rId2"/>
+              </a:rPr>
+              <a:t>https://medium.com/@callista.m.azizah/crows-foot-erd-for-beginners-a-tutorial-1effc8a326c6</a:t>
+            </a:r>
+            <a:endParaRPr lang="en-IN" dirty="0"/>
+          </a:p>
+          <a:p>
+            <a:endParaRPr lang="en-IN" dirty="0"/>
+          </a:p>
+          <a:p>
+            <a:r>
+              <a:rPr lang="en-IN" dirty="0">
+                <a:hlinkClick r:id="rId3"/>
+              </a:rPr>
+              <a:t>https://medium.com/@marcifey/using-crows-foot-notation-in-an-erd-2910fff5dd05</a:t>
+            </a:r>
+            <a:endParaRPr lang="en-IN" dirty="0"/>
+          </a:p>
+          <a:p>
+            <a:endParaRPr lang="en-IN" dirty="0"/>
+          </a:p>
+          <a:p>
+            <a:r>
+              <a:rPr lang="en-IN" dirty="0">
+                <a:hlinkClick r:id="rId4"/>
+              </a:rPr>
+              <a:t>https://sutejakanuri.medium.com/the-three-pillars-of-data-modeling-conceptual-logical-and-physical-models-d93652339855</a:t>
+            </a:r>
+            <a:endParaRPr lang="en-IN" dirty="0"/>
+          </a:p>
+          <a:p>
+            <a:endParaRPr lang="en-IN" dirty="0"/>
+          </a:p>
+          <a:p>
+            <a:r>
+              <a:rPr lang="en-IN" dirty="0"/>
+              <a:t>https://medium.com/@factor-bytes/explained-conceptual-logical-and-physical-data-models-0786b0e90216</a:t>
+            </a:r>
+          </a:p>
+          <a:p>
+            <a:endParaRPr lang="en-IN" dirty="0"/>
+          </a:p>
+          <a:p>
+            <a:endParaRPr lang="en-IN" dirty="0"/>
+          </a:p>
+          <a:p>
+            <a:r>
+              <a:rPr lang="en-IN" sz="3600" dirty="0"/>
+              <a:t>https://github.com/jayanta1971/capgeminisept25.git</a:t>
+            </a:r>
+            <a:endParaRPr lang="en-IN" dirty="0"/>
+          </a:p>
+        </p:txBody>
+      </p:sp>
+    </p:spTree>
+    <p:extLst>
+      <p:ext uri="{BB962C8B-B14F-4D97-AF65-F5344CB8AC3E}">
+        <p14:creationId xmlns:p14="http://schemas.microsoft.com/office/powerpoint/2010/main" val="1018988024"/>
+      </p:ext>
+    </p:extLst>
+  </p:cSld>
+  <p:clrMapOvr>
+    <a:masterClrMapping/>
+  </p:clrMapOvr>
+</p:sld>
+</file>
+
 <file path=ppt/slides/slide2.xml><?xml version="1.0" encoding="utf-8"?>
 <p:sld xmlns:a="http://schemas.openxmlformats.org/drawingml/2006/main" xmlns:r="http://schemas.openxmlformats.org/officeDocument/2006/relationships" xmlns:p="http://schemas.openxmlformats.org/presentationml/2006/main">
   <p:cSld>
@@ -4135,6 +4346,102 @@
           <p:cNvPr id="2" name="TextBox 1">
             <a:extLst>
               <a:ext uri="{FF2B5EF4-FFF2-40B4-BE49-F238E27FC236}">
+                <a16:creationId xmlns:a16="http://schemas.microsoft.com/office/drawing/2014/main" id="{9DA8EE38-9157-6928-1E9D-2D4B34EB36EF}"/>
+              </a:ext>
+            </a:extLst>
+          </p:cNvPr>
+          <p:cNvSpPr txBox="1"/>
+          <p:nvPr/>
+        </p:nvSpPr>
+        <p:spPr>
+          <a:xfrm>
+            <a:off x="1041400" y="541867"/>
+            <a:ext cx="9736667" cy="4401205"/>
+          </a:xfrm>
+          <a:prstGeom prst="rect">
+            <a:avLst/>
+          </a:prstGeom>
+          <a:noFill/>
+        </p:spPr>
+        <p:txBody>
+          <a:bodyPr wrap="square" rtlCol="0">
+            <a:spAutoFit/>
+          </a:bodyPr>
+          <a:lstStyle/>
+          <a:p>
+            <a:r>
+              <a:rPr lang="en-IN" sz="4000" dirty="0"/>
+              <a:t>C   - insert into</a:t>
+            </a:r>
+          </a:p>
+          <a:p>
+            <a:endParaRPr lang="en-IN" sz="4000" dirty="0"/>
+          </a:p>
+          <a:p>
+            <a:r>
+              <a:rPr lang="en-IN" sz="4000" dirty="0"/>
+              <a:t>R- select</a:t>
+            </a:r>
+          </a:p>
+          <a:p>
+            <a:endParaRPr lang="en-IN" sz="4000" dirty="0"/>
+          </a:p>
+          <a:p>
+            <a:r>
+              <a:rPr lang="en-IN" sz="4000" dirty="0"/>
+              <a:t>U- update</a:t>
+            </a:r>
+          </a:p>
+          <a:p>
+            <a:endParaRPr lang="en-IN" sz="4000" dirty="0"/>
+          </a:p>
+          <a:p>
+            <a:r>
+              <a:rPr lang="en-IN" sz="4000" dirty="0"/>
+              <a:t>D -delete</a:t>
+            </a:r>
+            <a:r>
+              <a:rPr lang="en-IN" dirty="0"/>
+              <a:t> </a:t>
+            </a:r>
+          </a:p>
+        </p:txBody>
+      </p:sp>
+    </p:spTree>
+    <p:extLst>
+      <p:ext uri="{BB962C8B-B14F-4D97-AF65-F5344CB8AC3E}">
+        <p14:creationId xmlns:p14="http://schemas.microsoft.com/office/powerpoint/2010/main" val="2953870673"/>
+      </p:ext>
+    </p:extLst>
+  </p:cSld>
+  <p:clrMapOvr>
+    <a:masterClrMapping/>
+  </p:clrMapOvr>
+</p:sld>
+</file>
+
+<file path=ppt/slides/slide6.xml><?xml version="1.0" encoding="utf-8"?>
+<p:sld xmlns:a="http://schemas.openxmlformats.org/drawingml/2006/main" xmlns:r="http://schemas.openxmlformats.org/officeDocument/2006/relationships" xmlns:p="http://schemas.openxmlformats.org/presentationml/2006/main">
+  <p:cSld>
+    <p:spTree>
+      <p:nvGrpSpPr>
+        <p:cNvPr id="1" name=""/>
+        <p:cNvGrpSpPr/>
+        <p:nvPr/>
+      </p:nvGrpSpPr>
+      <p:grpSpPr>
+        <a:xfrm>
+          <a:off x="0" y="0"/>
+          <a:ext cx="0" cy="0"/>
+          <a:chOff x="0" y="0"/>
+          <a:chExt cx="0" cy="0"/>
+        </a:xfrm>
+      </p:grpSpPr>
+      <p:sp>
+        <p:nvSpPr>
+          <p:cNvPr id="2" name="TextBox 1">
+            <a:extLst>
+              <a:ext uri="{FF2B5EF4-FFF2-40B4-BE49-F238E27FC236}">
                 <a16:creationId xmlns:a16="http://schemas.microsoft.com/office/drawing/2014/main" id="{1B8A0EB1-E958-F631-620E-6639276AAE0A}"/>
               </a:ext>
             </a:extLst>
@@ -4244,7 +4551,7 @@
 </p:sld>
 </file>
 
-<file path=ppt/slides/slide6.xml><?xml version="1.0" encoding="utf-8"?>
+<file path=ppt/slides/slide7.xml><?xml version="1.0" encoding="utf-8"?>
 <p:sld xmlns:a="http://schemas.openxmlformats.org/drawingml/2006/main" xmlns:r="http://schemas.openxmlformats.org/officeDocument/2006/relationships" xmlns:p="http://schemas.openxmlformats.org/presentationml/2006/main">
   <p:cSld>
     <p:spTree>
@@ -4422,7 +4729,7 @@
 </p:sld>
 </file>
 
-<file path=ppt/slides/slide7.xml><?xml version="1.0" encoding="utf-8"?>
+<file path=ppt/slides/slide8.xml><?xml version="1.0" encoding="utf-8"?>
 <p:sld xmlns:a="http://schemas.openxmlformats.org/drawingml/2006/main" xmlns:r="http://schemas.openxmlformats.org/officeDocument/2006/relationships" xmlns:p="http://schemas.openxmlformats.org/presentationml/2006/main">
   <p:cSld>
     <p:spTree>
@@ -4460,7 +4767,7 @@
         <p:spPr>
           <a:xfrm>
             <a:off x="1109133" y="211667"/>
-            <a:ext cx="9431867" cy="3416320"/>
+            <a:ext cx="9431867" cy="6186309"/>
           </a:xfrm>
           <a:prstGeom prst="rect">
             <a:avLst/>
@@ -4548,6 +4855,42 @@
             <a:r>
               <a:rPr lang="en-US" sz="3600" dirty="0"/>
               <a:t>) references product(id)	 )</a:t>
+            </a:r>
+          </a:p>
+          <a:p>
+            <a:endParaRPr lang="en-US" sz="3600" dirty="0"/>
+          </a:p>
+          <a:p>
+            <a:endParaRPr lang="en-US" sz="3600" dirty="0"/>
+          </a:p>
+          <a:p>
+            <a:r>
+              <a:rPr lang="en-US" sz="3600" dirty="0"/>
+              <a:t>insert into </a:t>
+            </a:r>
+            <a:r>
+              <a:rPr lang="en-US" sz="3600" dirty="0" err="1"/>
+              <a:t>product_category</a:t>
+            </a:r>
+            <a:r>
+              <a:rPr lang="en-US" sz="3600" dirty="0"/>
+              <a:t>(</a:t>
+            </a:r>
+            <a:r>
+              <a:rPr lang="en-US" sz="3600" dirty="0" err="1"/>
+              <a:t>prod_cat,prod_cat_desc</a:t>
+            </a:r>
+            <a:r>
+              <a:rPr lang="en-US" sz="3600" dirty="0"/>
+              <a:t>)values('</a:t>
+            </a:r>
+            <a:r>
+              <a:rPr lang="en-US" sz="3600" dirty="0" err="1"/>
+              <a:t>FUR','Furniture</a:t>
+            </a:r>
+            <a:r>
+              <a:rPr lang="en-US" sz="3600" dirty="0"/>
+              <a:t>')</a:t>
             </a:r>
             <a:endParaRPr lang="en-IN" sz="3600" dirty="0"/>
           </a:p>
@@ -4566,12 +4909,18 @@
 </p:sld>
 </file>
 
-<file path=ppt/slides/slide8.xml><?xml version="1.0" encoding="utf-8"?>
+<file path=ppt/slides/slide9.xml><?xml version="1.0" encoding="utf-8"?>
 <p:sld xmlns:a="http://schemas.openxmlformats.org/drawingml/2006/main" xmlns:r="http://schemas.openxmlformats.org/officeDocument/2006/relationships" xmlns:p="http://schemas.openxmlformats.org/presentationml/2006/main">
   <p:cSld>
     <p:spTree>
       <p:nvGrpSpPr>
-        <p:cNvPr id="1" name=""/>
+        <p:cNvPr id="1" name="">
+          <a:extLst>
+            <a:ext uri="{FF2B5EF4-FFF2-40B4-BE49-F238E27FC236}">
+              <a16:creationId xmlns:a16="http://schemas.microsoft.com/office/drawing/2014/main" id="{A993E33C-5477-A68F-F805-17EDB5266035}"/>
+            </a:ext>
+          </a:extLst>
+        </p:cNvPr>
         <p:cNvGrpSpPr/>
         <p:nvPr/>
       </p:nvGrpSpPr>
@@ -4588,7 +4937,7 @@
           <p:cNvPr id="2" name="TextBox 1">
             <a:extLst>
               <a:ext uri="{FF2B5EF4-FFF2-40B4-BE49-F238E27FC236}">
-                <a16:creationId xmlns:a16="http://schemas.microsoft.com/office/drawing/2014/main" id="{E3920A31-F669-8B26-E37C-3A5593209DE6}"/>
+                <a16:creationId xmlns:a16="http://schemas.microsoft.com/office/drawing/2014/main" id="{64B47C8D-3A52-2EA5-3E2A-2D936B108ABB}"/>
               </a:ext>
             </a:extLst>
           </p:cNvPr>
@@ -4597,8 +4946,8 @@
         </p:nvSpPr>
         <p:spPr>
           <a:xfrm>
-            <a:off x="905933" y="465667"/>
-            <a:ext cx="10430934" cy="3970318"/>
+            <a:off x="1109133" y="211667"/>
+            <a:ext cx="9431867" cy="7294305"/>
           </a:xfrm>
           <a:prstGeom prst="rect">
             <a:avLst/>
@@ -4612,74 +4961,88 @@
           <a:lstStyle/>
           <a:p>
             <a:r>
-              <a:rPr lang="en-IN" dirty="0"/>
-              <a:t>Links:</a:t>
-            </a:r>
-          </a:p>
-          <a:p>
-            <a:endParaRPr lang="en-IN" dirty="0"/>
-          </a:p>
-          <a:p>
-            <a:r>
-              <a:rPr lang="en-IN" dirty="0">
-                <a:hlinkClick r:id="rId2"/>
-              </a:rPr>
-              <a:t>https://medium.com/@callista.m.azizah/crows-foot-erd-for-beginners-a-tutorial-1effc8a326c6</a:t>
-            </a:r>
-            <a:endParaRPr lang="en-IN" dirty="0"/>
-          </a:p>
-          <a:p>
-            <a:endParaRPr lang="en-IN" dirty="0"/>
-          </a:p>
-          <a:p>
-            <a:r>
-              <a:rPr lang="en-IN" dirty="0">
-                <a:hlinkClick r:id="rId3"/>
-              </a:rPr>
-              <a:t>https://medium.com/@marcifey/using-crows-foot-notation-in-an-erd-2910fff5dd05</a:t>
-            </a:r>
-            <a:endParaRPr lang="en-IN" dirty="0"/>
-          </a:p>
-          <a:p>
-            <a:endParaRPr lang="en-IN" dirty="0"/>
-          </a:p>
-          <a:p>
-            <a:r>
-              <a:rPr lang="en-IN" dirty="0">
-                <a:hlinkClick r:id="rId4"/>
-              </a:rPr>
-              <a:t>https://sutejakanuri.medium.com/the-three-pillars-of-data-modeling-conceptual-logical-and-physical-models-d93652339855</a:t>
-            </a:r>
-            <a:endParaRPr lang="en-IN" dirty="0"/>
-          </a:p>
-          <a:p>
-            <a:endParaRPr lang="en-IN" dirty="0"/>
-          </a:p>
-          <a:p>
-            <a:r>
-              <a:rPr lang="en-IN" dirty="0"/>
-              <a:t>https://medium.com/@factor-bytes/explained-conceptual-logical-and-physical-data-models-0786b0e90216</a:t>
-            </a:r>
-          </a:p>
-          <a:p>
-            <a:endParaRPr lang="en-IN" dirty="0"/>
-          </a:p>
-          <a:p>
-            <a:endParaRPr lang="en-IN" dirty="0"/>
-          </a:p>
-          <a:p>
-            <a:r>
-              <a:rPr lang="en-IN" sz="3600" dirty="0"/>
-              <a:t>https://github.com/jayanta1971/capgeminisept25.git</a:t>
-            </a:r>
-            <a:endParaRPr lang="en-IN" dirty="0"/>
+              <a:rPr lang="en-US" sz="3600" dirty="0"/>
+              <a:t>insert into product(</a:t>
+            </a:r>
+            <a:r>
+              <a:rPr lang="en-US" sz="3600" dirty="0" err="1"/>
+              <a:t>prod_desc,price,product_category_id</a:t>
+            </a:r>
+            <a:r>
+              <a:rPr lang="en-US" sz="3600" dirty="0"/>
+              <a:t>)values('</a:t>
+            </a:r>
+            <a:r>
+              <a:rPr lang="en-US" sz="3600" dirty="0" err="1"/>
+              <a:t>Applie</a:t>
+            </a:r>
+            <a:r>
+              <a:rPr lang="en-US" sz="3600" dirty="0"/>
+              <a:t> I17 Pro', 1200000,1 )</a:t>
+            </a:r>
+          </a:p>
+          <a:p>
+            <a:endParaRPr lang="en-US" sz="3600" dirty="0"/>
+          </a:p>
+          <a:p>
+            <a:r>
+              <a:rPr lang="en-US" sz="3600" dirty="0"/>
+              <a:t>insert into </a:t>
+            </a:r>
+            <a:r>
+              <a:rPr lang="en-US" sz="3600" dirty="0" err="1"/>
+              <a:t>order_details</a:t>
+            </a:r>
+            <a:r>
+              <a:rPr lang="en-US" sz="3600" dirty="0"/>
+              <a:t>(</a:t>
+            </a:r>
+            <a:r>
+              <a:rPr lang="en-US" sz="3600" dirty="0" err="1"/>
+              <a:t>order_id,total_price</a:t>
+            </a:r>
+            <a:r>
+              <a:rPr lang="en-US" sz="3600" dirty="0"/>
+              <a:t>)values('ORD-01', 1200000 )</a:t>
+            </a:r>
+          </a:p>
+          <a:p>
+            <a:endParaRPr lang="en-US" sz="3600" dirty="0"/>
+          </a:p>
+          <a:p>
+            <a:r>
+              <a:rPr lang="en-US" sz="3600" dirty="0"/>
+              <a:t>insert into </a:t>
+            </a:r>
+            <a:r>
+              <a:rPr lang="en-US" sz="3600" dirty="0" err="1"/>
+              <a:t>product_order</a:t>
+            </a:r>
+            <a:r>
+              <a:rPr lang="en-US" sz="3600" dirty="0"/>
+              <a:t>(</a:t>
+            </a:r>
+            <a:r>
+              <a:rPr lang="en-US" sz="3600" dirty="0" err="1"/>
+              <a:t>order_details_id,product_id</a:t>
+            </a:r>
+            <a:r>
+              <a:rPr lang="en-US" sz="3600" dirty="0"/>
+              <a:t>)values(1, 1 )</a:t>
+            </a:r>
+          </a:p>
+          <a:p>
+            <a:endParaRPr lang="en-US" sz="3600" dirty="0"/>
+          </a:p>
+          <a:p>
+            <a:endParaRPr lang="en-IN" sz="3600" dirty="0"/>
           </a:p>
         </p:txBody>
       </p:sp>
     </p:spTree>
     <p:extLst>
       <p:ext uri="{BB962C8B-B14F-4D97-AF65-F5344CB8AC3E}">
-        <p14:creationId xmlns:p14="http://schemas.microsoft.com/office/powerpoint/2010/main" val="1018988024"/>
+        <p14:creationId xmlns:p14="http://schemas.microsoft.com/office/powerpoint/2010/main" val="1951887210"/>
       </p:ext>
     </p:extLst>
   </p:cSld>
